--- a/finals mockup/COOP mockup ppt.pptx
+++ b/finals mockup/COOP mockup ppt.pptx
@@ -125,6 +125,11 @@
       </a:defRPr>
     </a:lvl9pPr>
   </p:defaultTextStyle>
+  <p:extLst>
+    <p:ext uri="{EFAFB233-063F-42B5-8137-9DF3F51BA10A}">
+      <p15:sldGuideLst xmlns:p15="http://schemas.microsoft.com/office/powerpoint/2012/main"/>
+    </p:ext>
+  </p:extLst>
 </p:presentation>
 </file>
 
@@ -277,7 +282,7 @@
           <a:p>
             <a:fld id="{D275DD02-84D3-4B5E-8555-78E8D6983FDC}" type="datetimeFigureOut">
               <a:rPr lang="en-PH" smtClean="0"/>
-              <a:t>14/09/2019</a:t>
+              <a:t>16/09/2019</a:t>
             </a:fld>
             <a:endParaRPr lang="en-PH"/>
           </a:p>
@@ -477,7 +482,7 @@
           <a:p>
             <a:fld id="{D275DD02-84D3-4B5E-8555-78E8D6983FDC}" type="datetimeFigureOut">
               <a:rPr lang="en-PH" smtClean="0"/>
-              <a:t>14/09/2019</a:t>
+              <a:t>16/09/2019</a:t>
             </a:fld>
             <a:endParaRPr lang="en-PH"/>
           </a:p>
@@ -687,7 +692,7 @@
           <a:p>
             <a:fld id="{D275DD02-84D3-4B5E-8555-78E8D6983FDC}" type="datetimeFigureOut">
               <a:rPr lang="en-PH" smtClean="0"/>
-              <a:t>14/09/2019</a:t>
+              <a:t>16/09/2019</a:t>
             </a:fld>
             <a:endParaRPr lang="en-PH"/>
           </a:p>
@@ -887,7 +892,7 @@
           <a:p>
             <a:fld id="{D275DD02-84D3-4B5E-8555-78E8D6983FDC}" type="datetimeFigureOut">
               <a:rPr lang="en-PH" smtClean="0"/>
-              <a:t>14/09/2019</a:t>
+              <a:t>16/09/2019</a:t>
             </a:fld>
             <a:endParaRPr lang="en-PH"/>
           </a:p>
@@ -1163,7 +1168,7 @@
           <a:p>
             <a:fld id="{D275DD02-84D3-4B5E-8555-78E8D6983FDC}" type="datetimeFigureOut">
               <a:rPr lang="en-PH" smtClean="0"/>
-              <a:t>14/09/2019</a:t>
+              <a:t>16/09/2019</a:t>
             </a:fld>
             <a:endParaRPr lang="en-PH"/>
           </a:p>
@@ -1431,7 +1436,7 @@
           <a:p>
             <a:fld id="{D275DD02-84D3-4B5E-8555-78E8D6983FDC}" type="datetimeFigureOut">
               <a:rPr lang="en-PH" smtClean="0"/>
-              <a:t>14/09/2019</a:t>
+              <a:t>16/09/2019</a:t>
             </a:fld>
             <a:endParaRPr lang="en-PH"/>
           </a:p>
@@ -1846,7 +1851,7 @@
           <a:p>
             <a:fld id="{D275DD02-84D3-4B5E-8555-78E8D6983FDC}" type="datetimeFigureOut">
               <a:rPr lang="en-PH" smtClean="0"/>
-              <a:t>14/09/2019</a:t>
+              <a:t>16/09/2019</a:t>
             </a:fld>
             <a:endParaRPr lang="en-PH"/>
           </a:p>
@@ -1988,7 +1993,7 @@
           <a:p>
             <a:fld id="{D275DD02-84D3-4B5E-8555-78E8D6983FDC}" type="datetimeFigureOut">
               <a:rPr lang="en-PH" smtClean="0"/>
-              <a:t>14/09/2019</a:t>
+              <a:t>16/09/2019</a:t>
             </a:fld>
             <a:endParaRPr lang="en-PH"/>
           </a:p>
@@ -2101,7 +2106,7 @@
           <a:p>
             <a:fld id="{D275DD02-84D3-4B5E-8555-78E8D6983FDC}" type="datetimeFigureOut">
               <a:rPr lang="en-PH" smtClean="0"/>
-              <a:t>14/09/2019</a:t>
+              <a:t>16/09/2019</a:t>
             </a:fld>
             <a:endParaRPr lang="en-PH"/>
           </a:p>
@@ -2414,7 +2419,7 @@
           <a:p>
             <a:fld id="{D275DD02-84D3-4B5E-8555-78E8D6983FDC}" type="datetimeFigureOut">
               <a:rPr lang="en-PH" smtClean="0"/>
-              <a:t>14/09/2019</a:t>
+              <a:t>16/09/2019</a:t>
             </a:fld>
             <a:endParaRPr lang="en-PH"/>
           </a:p>
@@ -2703,7 +2708,7 @@
           <a:p>
             <a:fld id="{D275DD02-84D3-4B5E-8555-78E8D6983FDC}" type="datetimeFigureOut">
               <a:rPr lang="en-PH" smtClean="0"/>
-              <a:t>14/09/2019</a:t>
+              <a:t>16/09/2019</a:t>
             </a:fld>
             <a:endParaRPr lang="en-PH"/>
           </a:p>
@@ -2946,7 +2951,7 @@
           <a:p>
             <a:fld id="{D275DD02-84D3-4B5E-8555-78E8D6983FDC}" type="datetimeFigureOut">
               <a:rPr lang="en-PH" smtClean="0"/>
-              <a:t>14/09/2019</a:t>
+              <a:t>16/09/2019</a:t>
             </a:fld>
             <a:endParaRPr lang="en-PH"/>
           </a:p>
@@ -12998,7 +13003,7 @@
       <p:sp>
         <p:nvSpPr>
           <p:cNvPr id="17" name="Rectangle 16">
-            <a:hlinkClick r:id="rId10" action="ppaction://hlinksldjump"/>
+            <a:hlinkClick r:id="rId7" action="ppaction://hlinksldjump"/>
             <a:extLst>
               <a:ext uri="{FF2B5EF4-FFF2-40B4-BE49-F238E27FC236}">
                 <a16:creationId xmlns:a16="http://schemas.microsoft.com/office/drawing/2014/main" id="{B183D362-B6E5-41F4-AF2E-53851A549BFF}"/>
